--- a/lecture-notes/raspberrypi-pwm-servo.pptx
+++ b/lecture-notes/raspberrypi-pwm-servo.pptx
@@ -219,6 +219,11 @@
       </a:defRPr>
     </a:lvl9pPr>
   </p:defaultTextStyle>
+  <p:extLst>
+    <p:ext uri="{EFAFB233-063F-42B5-8137-9DF3F51BA10A}">
+      <p15:sldGuideLst xmlns:p15="http://schemas.microsoft.com/office/powerpoint/2012/main"/>
+    </p:ext>
+  </p:extLst>
 </p:presentation>
 </file>
 
@@ -5531,7 +5536,7 @@
         </p:nvSpPr>
         <p:spPr>
           <a:xfrm>
-            <a:off x="4254900" y="60078"/>
+            <a:off x="4254900" y="27004"/>
             <a:ext cx="4577400" cy="5116496"/>
           </a:xfrm>
           <a:prstGeom prst="rect">
@@ -7071,6 +7076,40 @@
           </a:p>
         </p:txBody>
       </p:sp>
+      <p:pic>
+        <p:nvPicPr>
+          <p:cNvPr id="5" name="Shape 64">
+            <a:extLst>
+              <a:ext uri="{FF2B5EF4-FFF2-40B4-BE49-F238E27FC236}">
+                <a16:creationId xmlns:a16="http://schemas.microsoft.com/office/drawing/2014/main" id="{A7993F8B-808B-495A-91CC-783C38631AF8}"/>
+              </a:ext>
+            </a:extLst>
+          </p:cNvPr>
+          <p:cNvPicPr preferRelativeResize="0"/>
+          <p:nvPr/>
+        </p:nvPicPr>
+        <p:blipFill>
+          <a:blip r:embed="rId3">
+            <a:alphaModFix/>
+          </a:blip>
+          <a:stretch>
+            <a:fillRect/>
+          </a:stretch>
+        </p:blipFill>
+        <p:spPr>
+          <a:xfrm>
+            <a:off x="2177597" y="2393572"/>
+            <a:ext cx="3465775" cy="2018675"/>
+          </a:xfrm>
+          <a:prstGeom prst="rect">
+            <a:avLst/>
+          </a:prstGeom>
+          <a:noFill/>
+          <a:ln>
+            <a:noFill/>
+          </a:ln>
+        </p:spPr>
+      </p:pic>
     </p:spTree>
   </p:cSld>
   <p:clrMapOvr>
